--- a/presentation.pptx
+++ b/presentation.pptx
@@ -8,6 +8,7 @@
     <p:sldId id="256" r:id="rId2"/>
     <p:sldId id="258" r:id="rId3"/>
     <p:sldId id="257" r:id="rId4"/>
+    <p:sldId id="259" r:id="rId5"/>
   </p:sldIdLst>
   <p:sldSz cx="12192000" cy="6858000"/>
   <p:notesSz cx="6858000" cy="9144000"/>
@@ -106,6 +107,11 @@
       </a:defRPr>
     </a:lvl9pPr>
   </p:defaultTextStyle>
+  <p:extLst>
+    <p:ext uri="{EFAFB233-063F-42B5-8137-9DF3F51BA10A}">
+      <p15:sldGuideLst xmlns:p15="http://schemas.microsoft.com/office/powerpoint/2012/main"/>
+    </p:ext>
+  </p:extLst>
 </p:presentation>
 </file>
 
@@ -9970,6 +9976,263 @@
 </p:sld>
 </file>
 
+<file path=ppt/slides/slide4.xml><?xml version="1.0" encoding="utf-8"?>
+<p:sld xmlns:a="http://schemas.openxmlformats.org/drawingml/2006/main" xmlns:r="http://schemas.openxmlformats.org/officeDocument/2006/relationships" xmlns:p="http://schemas.openxmlformats.org/presentationml/2006/main">
+  <p:cSld>
+    <p:spTree>
+      <p:nvGrpSpPr>
+        <p:cNvPr id="1" name=""/>
+        <p:cNvGrpSpPr/>
+        <p:nvPr/>
+      </p:nvGrpSpPr>
+      <p:grpSpPr>
+        <a:xfrm>
+          <a:off x="0" y="0"/>
+          <a:ext cx="0" cy="0"/>
+          <a:chOff x="0" y="0"/>
+          <a:chExt cx="0" cy="0"/>
+        </a:xfrm>
+      </p:grpSpPr>
+      <p:pic>
+        <p:nvPicPr>
+          <p:cNvPr id="1028" name="Picture 4" descr="The original Marble Madness">
+            <a:extLst>
+              <a:ext uri="{FF2B5EF4-FFF2-40B4-BE49-F238E27FC236}">
+                <a16:creationId xmlns:a16="http://schemas.microsoft.com/office/drawing/2014/main" id="{6F4AFA90-8699-EC62-DD53-DE4F3C427A62}"/>
+              </a:ext>
+            </a:extLst>
+          </p:cNvPr>
+          <p:cNvPicPr>
+            <a:picLocks noChangeAspect="1" noChangeArrowheads="1"/>
+          </p:cNvPicPr>
+          <p:nvPr/>
+        </p:nvPicPr>
+        <p:blipFill rotWithShape="1">
+          <a:blip r:embed="rId2">
+            <a:extLst>
+              <a:ext uri="{28A0092B-C50C-407E-A947-70E740481C1C}">
+                <a14:useLocalDpi xmlns:a14="http://schemas.microsoft.com/office/drawing/2010/main" val="0"/>
+              </a:ext>
+            </a:extLst>
+          </a:blip>
+          <a:srcRect l="6944" t="46668" r="7738" b="30696"/>
+          <a:stretch/>
+        </p:blipFill>
+        <p:spPr bwMode="auto">
+          <a:xfrm>
+            <a:off x="-4322" y="4546599"/>
+            <a:ext cx="12196322" cy="2311401"/>
+          </a:xfrm>
+          <a:prstGeom prst="rect">
+            <a:avLst/>
+          </a:prstGeom>
+          <a:noFill/>
+          <a:extLst>
+            <a:ext uri="{909E8E84-426E-40DD-AFC4-6F175D3DCCD1}">
+              <a14:hiddenFill xmlns:a14="http://schemas.microsoft.com/office/drawing/2010/main">
+                <a:solidFill>
+                  <a:srgbClr val="FFFFFF"/>
+                </a:solidFill>
+              </a14:hiddenFill>
+            </a:ext>
+          </a:extLst>
+        </p:spPr>
+      </p:pic>
+      <p:sp>
+        <p:nvSpPr>
+          <p:cNvPr id="6" name="TextBox 5">
+            <a:extLst>
+              <a:ext uri="{FF2B5EF4-FFF2-40B4-BE49-F238E27FC236}">
+                <a16:creationId xmlns:a16="http://schemas.microsoft.com/office/drawing/2014/main" id="{9EF7C440-E9D5-FD94-4852-E28AE3F5AD6A}"/>
+              </a:ext>
+            </a:extLst>
+          </p:cNvPr>
+          <p:cNvSpPr txBox="1"/>
+          <p:nvPr/>
+        </p:nvSpPr>
+        <p:spPr>
+          <a:xfrm>
+            <a:off x="457200" y="874236"/>
+            <a:ext cx="10642600" cy="1477328"/>
+          </a:xfrm>
+          <a:prstGeom prst="rect">
+            <a:avLst/>
+          </a:prstGeom>
+          <a:noFill/>
+        </p:spPr>
+        <p:txBody>
+          <a:bodyPr wrap="square">
+            <a:spAutoFit/>
+          </a:bodyPr>
+          <a:lstStyle/>
+          <a:p>
+            <a:pPr algn="l"/>
+            <a:r>
+              <a:rPr lang="en-US" b="0" i="0" dirty="0">
+                <a:solidFill>
+                  <a:srgbClr val="0E1116"/>
+                </a:solidFill>
+                <a:effectLst/>
+                <a:latin typeface="C64 Pro Mono" panose="02010609060202080101" pitchFamily="49" charset="0"/>
+              </a:rPr>
+              <a:t>Thanks to </a:t>
+            </a:r>
+            <a:r>
+              <a:rPr lang="en-US" b="0" i="0" dirty="0">
+                <a:solidFill>
+                  <a:srgbClr val="0E1116"/>
+                </a:solidFill>
+                <a:effectLst/>
+                <a:latin typeface="C64 Pro Mono" panose="02010609060202080101" pitchFamily="49" charset="0"/>
+                <a:hlinkClick r:id="rId3"/>
+              </a:rPr>
+              <a:t>this </a:t>
+            </a:r>
+            <a:r>
+              <a:rPr lang="en-US" dirty="0">
+                <a:solidFill>
+                  <a:srgbClr val="0E1116"/>
+                </a:solidFill>
+                <a:latin typeface="C64 Pro Mono" panose="02010609060202080101" pitchFamily="49" charset="0"/>
+                <a:hlinkClick r:id="rId3"/>
+              </a:rPr>
+              <a:t>video</a:t>
+            </a:r>
+            <a:r>
+              <a:rPr lang="en-US" dirty="0">
+                <a:solidFill>
+                  <a:srgbClr val="0E1116"/>
+                </a:solidFill>
+                <a:latin typeface="C64 Pro Mono" panose="02010609060202080101" pitchFamily="49" charset="0"/>
+              </a:rPr>
+              <a:t> from Robin </a:t>
+            </a:r>
+            <a:r>
+              <a:rPr lang="en-US" dirty="0">
+                <a:latin typeface="C64 Pro Mono" panose="02010609060202080101" pitchFamily="49" charset="0"/>
+              </a:rPr>
+              <a:t>of </a:t>
+            </a:r>
+            <a:r>
+              <a:rPr lang="en-US" dirty="0">
+                <a:latin typeface="C64 Pro Mono" panose="02010609060202080101" pitchFamily="49" charset="0"/>
+                <a:hlinkClick r:id="rId4"/>
+              </a:rPr>
+              <a:t>8-Bit Show And Tell</a:t>
+            </a:r>
+            <a:endParaRPr lang="en-US" dirty="0">
+              <a:latin typeface="C64 Pro Mono" panose="02010609060202080101" pitchFamily="49" charset="0"/>
+            </a:endParaRPr>
+          </a:p>
+          <a:p>
+            <a:pPr algn="l"/>
+            <a:endParaRPr lang="en-US" b="0" i="0" dirty="0">
+              <a:solidFill>
+                <a:srgbClr val="0E1116"/>
+              </a:solidFill>
+              <a:effectLst/>
+              <a:latin typeface="C64 Pro Mono" panose="02010609060202080101" pitchFamily="49" charset="0"/>
+            </a:endParaRPr>
+          </a:p>
+          <a:p>
+            <a:pPr algn="l"/>
+            <a:r>
+              <a:rPr lang="en-US" b="0" i="0" dirty="0">
+                <a:solidFill>
+                  <a:srgbClr val="0E1116"/>
+                </a:solidFill>
+                <a:effectLst/>
+                <a:latin typeface="C64 Pro Mono" panose="02010609060202080101" pitchFamily="49" charset="0"/>
+              </a:rPr>
+              <a:t>Thanks </a:t>
+            </a:r>
+            <a:r>
+              <a:rPr lang="en-US" dirty="0">
+                <a:latin typeface="C64 Pro Mono" panose="02010609060202080101" pitchFamily="49" charset="0"/>
+              </a:rPr>
+              <a:t>to  Arthur </a:t>
+            </a:r>
+            <a:r>
+              <a:rPr lang="en-US" dirty="0" err="1">
+                <a:latin typeface="C64 Pro Mono" panose="02010609060202080101" pitchFamily="49" charset="0"/>
+              </a:rPr>
+              <a:t>Jordison</a:t>
+            </a:r>
+            <a:r>
+              <a:rPr lang="en-US" dirty="0">
+                <a:latin typeface="C64 Pro Mono" panose="02010609060202080101" pitchFamily="49" charset="0"/>
+              </a:rPr>
+              <a:t> </a:t>
+            </a:r>
+            <a:r>
+              <a:rPr lang="en-US" b="0" i="0" dirty="0">
+                <a:solidFill>
+                  <a:srgbClr val="0E1116"/>
+                </a:solidFill>
+                <a:effectLst/>
+                <a:latin typeface="C64 Pro Mono" panose="02010609060202080101" pitchFamily="49" charset="0"/>
+              </a:rPr>
+              <a:t>for the fantastic </a:t>
+            </a:r>
+            <a:r>
+              <a:rPr lang="en-US" b="0" i="0" dirty="0">
+                <a:solidFill>
+                  <a:srgbClr val="0E1116"/>
+                </a:solidFill>
+                <a:effectLst/>
+                <a:latin typeface="C64 Pro Mono" panose="02010609060202080101" pitchFamily="49" charset="0"/>
+                <a:hlinkClick r:id="rId5"/>
+              </a:rPr>
+              <a:t>CBM </a:t>
+            </a:r>
+            <a:r>
+              <a:rPr lang="en-US" b="0" i="0" dirty="0" err="1">
+                <a:solidFill>
+                  <a:srgbClr val="0E1116"/>
+                </a:solidFill>
+                <a:effectLst/>
+                <a:latin typeface="C64 Pro Mono" panose="02010609060202080101" pitchFamily="49" charset="0"/>
+                <a:hlinkClick r:id="rId5"/>
+              </a:rPr>
+              <a:t>prg</a:t>
+            </a:r>
+            <a:r>
+              <a:rPr lang="en-US" b="0" i="0" dirty="0">
+                <a:solidFill>
+                  <a:srgbClr val="0E1116"/>
+                </a:solidFill>
+                <a:effectLst/>
+                <a:latin typeface="C64 Pro Mono" panose="02010609060202080101" pitchFamily="49" charset="0"/>
+                <a:hlinkClick r:id="rId5"/>
+              </a:rPr>
+              <a:t> Studio</a:t>
+            </a:r>
+            <a:r>
+              <a:rPr lang="en-US" b="0" i="0" dirty="0">
+                <a:solidFill>
+                  <a:srgbClr val="0E1116"/>
+                </a:solidFill>
+                <a:effectLst/>
+                <a:latin typeface="C64 Pro Mono" panose="02010609060202080101" pitchFamily="49" charset="0"/>
+              </a:rPr>
+              <a:t>!</a:t>
+            </a:r>
+          </a:p>
+        </p:txBody>
+      </p:sp>
+    </p:spTree>
+    <p:extLst>
+      <p:ext uri="{BB962C8B-B14F-4D97-AF65-F5344CB8AC3E}">
+        <p14:creationId xmlns:p14="http://schemas.microsoft.com/office/powerpoint/2010/main" val="3488616404"/>
+      </p:ext>
+    </p:extLst>
+  </p:cSld>
+  <p:clrMapOvr>
+    <a:masterClrMapping/>
+  </p:clrMapOvr>
+</p:sld>
+</file>
+
 <file path=ppt/theme/theme1.xml><?xml version="1.0" encoding="utf-8"?>
 <a:theme xmlns:a="http://schemas.openxmlformats.org/drawingml/2006/main" name="Office Theme">
   <a:themeElements>
